--- a/Doc/Präsentation Gruppe Midori.pptx
+++ b/Doc/Präsentation Gruppe Midori.pptx
@@ -6,10 +6,11 @@
   </p:sldMasterIdLst>
   <p:sldIdLst>
     <p:sldId id="256" r:id="rId2"/>
-    <p:sldId id="258" r:id="rId3"/>
-    <p:sldId id="260" r:id="rId4"/>
-    <p:sldId id="257" r:id="rId5"/>
-    <p:sldId id="262" r:id="rId6"/>
+    <p:sldId id="263" r:id="rId3"/>
+    <p:sldId id="264" r:id="rId4"/>
+    <p:sldId id="260" r:id="rId5"/>
+    <p:sldId id="257" r:id="rId6"/>
+    <p:sldId id="262" r:id="rId7"/>
   </p:sldIdLst>
   <p:sldSz cx="12192000" cy="6858000"/>
   <p:notesSz cx="6858000" cy="9144000"/>
@@ -108,6 +109,11 @@
       </a:defRPr>
     </a:lvl9pPr>
   </p:defaultTextStyle>
+  <p:extLst>
+    <p:ext uri="{EFAFB233-063F-42B5-8137-9DF3F51BA10A}">
+      <p15:sldGuideLst xmlns:p15="http://schemas.microsoft.com/office/powerpoint/2012/main"/>
+    </p:ext>
+  </p:extLst>
 </p:presentation>
 </file>
 
@@ -838,7 +844,7 @@
             <a:fld id="{B61BEF0D-F0BB-DE4B-95CE-6DB70DBA9567}" type="datetimeFigureOut">
               <a:rPr lang="en-US" dirty="0"/>
               <a:pPr/>
-              <a:t>1/13/2018</a:t>
+              <a:t>1/14/2018</a:t>
             </a:fld>
             <a:endParaRPr lang="en-US" dirty="0"/>
           </a:p>
@@ -1086,7 +1092,7 @@
             <a:fld id="{B61BEF0D-F0BB-DE4B-95CE-6DB70DBA9567}" type="datetimeFigureOut">
               <a:rPr lang="en-US" dirty="0"/>
               <a:pPr/>
-              <a:t>1/13/2018</a:t>
+              <a:t>1/14/2018</a:t>
             </a:fld>
             <a:endParaRPr lang="en-US" dirty="0"/>
           </a:p>
@@ -1397,7 +1403,7 @@
             <a:fld id="{B61BEF0D-F0BB-DE4B-95CE-6DB70DBA9567}" type="datetimeFigureOut">
               <a:rPr lang="en-US" dirty="0"/>
               <a:pPr/>
-              <a:t>1/13/2018</a:t>
+              <a:t>1/14/2018</a:t>
             </a:fld>
             <a:endParaRPr lang="en-US" dirty="0"/>
           </a:p>
@@ -1735,7 +1741,7 @@
             <a:fld id="{B61BEF0D-F0BB-DE4B-95CE-6DB70DBA9567}" type="datetimeFigureOut">
               <a:rPr lang="en-US" dirty="0"/>
               <a:pPr/>
-              <a:t>1/13/2018</a:t>
+              <a:t>1/14/2018</a:t>
             </a:fld>
             <a:endParaRPr lang="en-US" dirty="0"/>
           </a:p>
@@ -2046,7 +2052,7 @@
             <a:fld id="{B61BEF0D-F0BB-DE4B-95CE-6DB70DBA9567}" type="datetimeFigureOut">
               <a:rPr lang="en-US" dirty="0"/>
               <a:pPr/>
-              <a:t>1/13/2018</a:t>
+              <a:t>1/14/2018</a:t>
             </a:fld>
             <a:endParaRPr lang="en-US" dirty="0"/>
           </a:p>
@@ -2436,7 +2442,7 @@
             <a:fld id="{B61BEF0D-F0BB-DE4B-95CE-6DB70DBA9567}" type="datetimeFigureOut">
               <a:rPr lang="en-US" dirty="0"/>
               <a:pPr/>
-              <a:t>1/13/2018</a:t>
+              <a:t>1/14/2018</a:t>
             </a:fld>
             <a:endParaRPr lang="en-US" dirty="0"/>
           </a:p>
@@ -2602,7 +2608,7 @@
           <a:p>
             <a:fld id="{55C6B4A9-1611-4792-9094-5F34BCA07E0B}" type="datetimeFigureOut">
               <a:rPr lang="en-US" dirty="0"/>
-              <a:t>1/13/2018</a:t>
+              <a:t>1/14/2018</a:t>
             </a:fld>
             <a:endParaRPr lang="en-US" dirty="0"/>
           </a:p>
@@ -2778,7 +2784,7 @@
             <a:fld id="{B61BEF0D-F0BB-DE4B-95CE-6DB70DBA9567}" type="datetimeFigureOut">
               <a:rPr lang="en-US" dirty="0"/>
               <a:pPr/>
-              <a:t>1/13/2018</a:t>
+              <a:t>1/14/2018</a:t>
             </a:fld>
             <a:endParaRPr lang="en-US" dirty="0"/>
           </a:p>
@@ -2951,7 +2957,7 @@
             <a:fld id="{B61BEF0D-F0BB-DE4B-95CE-6DB70DBA9567}" type="datetimeFigureOut">
               <a:rPr lang="en-US" dirty="0"/>
               <a:pPr/>
-              <a:t>1/13/2018</a:t>
+              <a:t>1/14/2018</a:t>
             </a:fld>
             <a:endParaRPr lang="en-US" dirty="0"/>
           </a:p>
@@ -3195,7 +3201,7 @@
             <a:fld id="{B61BEF0D-F0BB-DE4B-95CE-6DB70DBA9567}" type="datetimeFigureOut">
               <a:rPr lang="en-US" dirty="0"/>
               <a:pPr/>
-              <a:t>1/13/2018</a:t>
+              <a:t>1/14/2018</a:t>
             </a:fld>
             <a:endParaRPr lang="en-US" dirty="0"/>
           </a:p>
@@ -3423,7 +3429,7 @@
           <a:p>
             <a:fld id="{EB712588-04B1-427B-82EE-E8DB90309F08}" type="datetimeFigureOut">
               <a:rPr lang="en-US" dirty="0"/>
-              <a:t>1/13/2018</a:t>
+              <a:t>1/14/2018</a:t>
             </a:fld>
             <a:endParaRPr lang="en-US" dirty="0"/>
           </a:p>
@@ -3793,7 +3799,7 @@
             <a:fld id="{B61BEF0D-F0BB-DE4B-95CE-6DB70DBA9567}" type="datetimeFigureOut">
               <a:rPr lang="en-US" dirty="0"/>
               <a:pPr/>
-              <a:t>1/13/2018</a:t>
+              <a:t>1/14/2018</a:t>
             </a:fld>
             <a:endParaRPr lang="en-US" dirty="0"/>
           </a:p>
@@ -3913,7 +3919,7 @@
             <a:fld id="{B61BEF0D-F0BB-DE4B-95CE-6DB70DBA9567}" type="datetimeFigureOut">
               <a:rPr lang="en-US" dirty="0"/>
               <a:pPr/>
-              <a:t>1/13/2018</a:t>
+              <a:t>1/14/2018</a:t>
             </a:fld>
             <a:endParaRPr lang="en-US" dirty="0"/>
           </a:p>
@@ -4005,7 +4011,7 @@
             <a:fld id="{B61BEF0D-F0BB-DE4B-95CE-6DB70DBA9567}" type="datetimeFigureOut">
               <a:rPr lang="en-US" dirty="0"/>
               <a:pPr/>
-              <a:t>1/13/2018</a:t>
+              <a:t>1/14/2018</a:t>
             </a:fld>
             <a:endParaRPr lang="en-US" dirty="0"/>
           </a:p>
@@ -4256,7 +4262,7 @@
           <a:p>
             <a:fld id="{42A54C80-263E-416B-A8E0-580EDEADCBDC}" type="datetimeFigureOut">
               <a:rPr lang="en-US" dirty="0"/>
-              <a:t>1/13/2018</a:t>
+              <a:t>1/14/2018</a:t>
             </a:fld>
             <a:endParaRPr lang="en-US" dirty="0"/>
           </a:p>
@@ -4515,7 +4521,7 @@
             <a:fld id="{B61BEF0D-F0BB-DE4B-95CE-6DB70DBA9567}" type="datetimeFigureOut">
               <a:rPr lang="en-US" dirty="0"/>
               <a:pPr/>
-              <a:t>1/13/2018</a:t>
+              <a:t>1/14/2018</a:t>
             </a:fld>
             <a:endParaRPr lang="en-US" dirty="0"/>
           </a:p>
@@ -5255,7 +5261,7 @@
             <a:fld id="{B61BEF0D-F0BB-DE4B-95CE-6DB70DBA9567}" type="datetimeFigureOut">
               <a:rPr lang="en-US" dirty="0"/>
               <a:pPr/>
-              <a:t>1/13/2018</a:t>
+              <a:t>1/14/2018</a:t>
             </a:fld>
             <a:endParaRPr lang="en-US" dirty="0"/>
           </a:p>
@@ -5876,7 +5882,7 @@
           <p:cNvPr id="2" name="Titel 1">
             <a:extLst>
               <a:ext uri="{FF2B5EF4-FFF2-40B4-BE49-F238E27FC236}">
-                <a16:creationId xmlns:a16="http://schemas.microsoft.com/office/drawing/2014/main" id="{3959FBBE-C988-48FA-8EBF-4B266EF53520}"/>
+                <a16:creationId xmlns:a16="http://schemas.microsoft.com/office/drawing/2014/main" id="{AC8574A9-0C67-4833-8C46-BE15A53851CE}"/>
               </a:ext>
             </a:extLst>
           </p:cNvPr>
@@ -5893,9 +5899,10 @@
           <a:lstStyle/>
           <a:p>
             <a:r>
-              <a:rPr lang="de-CH" dirty="0"/>
-              <a:t>Algorithmus</a:t>
-            </a:r>
+              <a:rPr lang="de-CH" dirty="0" err="1"/>
+              <a:t>ArffGenerator</a:t>
+            </a:r>
+            <a:endParaRPr lang="de-CH" dirty="0"/>
           </a:p>
         </p:txBody>
       </p:sp>
@@ -5904,7 +5911,7 @@
           <p:cNvPr id="3" name="Inhaltsplatzhalter 2">
             <a:extLst>
               <a:ext uri="{FF2B5EF4-FFF2-40B4-BE49-F238E27FC236}">
-                <a16:creationId xmlns:a16="http://schemas.microsoft.com/office/drawing/2014/main" id="{E6E1F843-1265-4C85-B966-4784C235839A}"/>
+                <a16:creationId xmlns:a16="http://schemas.microsoft.com/office/drawing/2014/main" id="{6D206F4A-2A04-4B58-B78E-A46531EB020F}"/>
               </a:ext>
             </a:extLst>
           </p:cNvPr>
@@ -5915,18 +5922,70 @@
             <p:ph idx="1"/>
           </p:nvPr>
         </p:nvSpPr>
-        <p:spPr/>
-        <p:txBody>
-          <a:bodyPr/>
+        <p:spPr>
+          <a:xfrm>
+            <a:off x="677334" y="1676401"/>
+            <a:ext cx="8596668" cy="4364962"/>
+          </a:xfrm>
+        </p:spPr>
+        <p:txBody>
+          <a:bodyPr>
+            <a:normAutofit/>
+          </a:bodyPr>
           <a:lstStyle/>
           <a:p>
             <a:r>
               <a:rPr lang="de-CH" dirty="0"/>
-              <a:t>Lexikon benutzt (</a:t>
+              <a:t>Lädt die Kommentare (</a:t>
             </a:r>
             <a:r>
               <a:rPr lang="de-CH" dirty="0" err="1"/>
-              <a:t>general</a:t>
+              <a:t>txt</a:t>
+            </a:r>
+            <a:r>
+              <a:rPr lang="de-CH" dirty="0"/>
+              <a:t>)</a:t>
+            </a:r>
+          </a:p>
+          <a:p>
+            <a:pPr lvl="1"/>
+            <a:r>
+              <a:rPr lang="de-CH" dirty="0" err="1"/>
+              <a:t>Stemming</a:t>
+            </a:r>
+            <a:r>
+              <a:rPr lang="de-CH" dirty="0"/>
+              <a:t>, um Worte auf ihren Stamm zurückzuführen</a:t>
+            </a:r>
+          </a:p>
+          <a:p>
+            <a:pPr lvl="1"/>
+            <a:r>
+              <a:rPr lang="de-CH" dirty="0"/>
+              <a:t>Negationen werden berücksichtigt</a:t>
+            </a:r>
+          </a:p>
+          <a:p>
+            <a:pPr marL="457200" lvl="1" indent="0">
+              <a:buNone/>
+            </a:pPr>
+            <a:endParaRPr lang="de-CH" dirty="0"/>
+          </a:p>
+          <a:p>
+            <a:r>
+              <a:rPr lang="de-CH" dirty="0"/>
+              <a:t>extrahiert die Features</a:t>
+            </a:r>
+          </a:p>
+          <a:p>
+            <a:pPr lvl="1"/>
+            <a:r>
+              <a:rPr lang="de-CH" dirty="0"/>
+              <a:t>General </a:t>
+            </a:r>
+            <a:r>
+              <a:rPr lang="de-CH" dirty="0" err="1"/>
+              <a:t>Inquirer</a:t>
             </a:r>
             <a:r>
               <a:rPr lang="de-CH" dirty="0"/>
@@ -5934,40 +5993,43 @@
             </a:r>
             <a:r>
               <a:rPr lang="de-CH" dirty="0" err="1"/>
-              <a:t>inquirer</a:t>
+              <a:t>Lexicon</a:t>
             </a:r>
             <a:r>
               <a:rPr lang="de-CH" dirty="0"/>
-              <a:t> </a:t>
-            </a:r>
-            <a:r>
-              <a:rPr lang="de-CH" dirty="0" err="1"/>
-              <a:t>lexicon</a:t>
-            </a:r>
+              <a:t>, um Konnotationen der Wörter zu bestimmen</a:t>
+            </a:r>
+          </a:p>
+          <a:p>
+            <a:pPr lvl="1"/>
             <a:r>
               <a:rPr lang="de-CH" dirty="0"/>
-              <a:t>)</a:t>
-            </a:r>
-          </a:p>
-          <a:p>
+              <a:t>Features = Anzahl Konnotationen (positiv, negativ, erregt, schmerzhaft, …), welche im Kommentar vorkommen</a:t>
+            </a:r>
+          </a:p>
+          <a:p>
+            <a:pPr lvl="1"/>
+            <a:r>
+              <a:rPr lang="de-CH" dirty="0"/>
+              <a:t>Gewichtung anhand der «Wortstärke»</a:t>
+            </a:r>
+          </a:p>
+          <a:p>
+            <a:pPr marL="457200" lvl="1" indent="0">
+              <a:buNone/>
+            </a:pPr>
             <a:endParaRPr lang="de-CH" dirty="0"/>
           </a:p>
           <a:p>
             <a:r>
               <a:rPr lang="de-CH" dirty="0"/>
-              <a:t>Reviews importiert -&gt; Mit Lexikon verglichen</a:t>
-            </a:r>
-          </a:p>
-          <a:p>
-            <a:endParaRPr lang="de-CH" dirty="0"/>
-          </a:p>
-          <a:p>
-            <a:r>
-              <a:rPr lang="de-CH" dirty="0"/>
-              <a:t>Features anhand Konnotationen extrahiert</a:t>
-            </a:r>
-          </a:p>
-          <a:p>
+              <a:t>speichert die Instanzen und Features als ARFF-File ab</a:t>
+            </a:r>
+          </a:p>
+          <a:p>
+            <a:pPr marL="0" indent="0">
+              <a:buNone/>
+            </a:pPr>
             <a:endParaRPr lang="de-CH" dirty="0"/>
           </a:p>
         </p:txBody>
@@ -5975,7 +6037,7 @@
     </p:spTree>
     <p:extLst>
       <p:ext uri="{BB962C8B-B14F-4D97-AF65-F5344CB8AC3E}">
-        <p14:creationId xmlns:p14="http://schemas.microsoft.com/office/powerpoint/2010/main" val="2217257340"/>
+        <p14:creationId xmlns:p14="http://schemas.microsoft.com/office/powerpoint/2010/main" val="3982016395"/>
       </p:ext>
     </p:extLst>
   </p:cSld>
@@ -6007,7 +6069,7 @@
           <p:cNvPr id="2" name="Titel 1">
             <a:extLst>
               <a:ext uri="{FF2B5EF4-FFF2-40B4-BE49-F238E27FC236}">
-                <a16:creationId xmlns:a16="http://schemas.microsoft.com/office/drawing/2014/main" id="{98931AAE-2ACF-4BDC-8003-27A778448BDC}"/>
+                <a16:creationId xmlns:a16="http://schemas.microsoft.com/office/drawing/2014/main" id="{63F75A01-CB5C-45AA-B17B-450D465D26D3}"/>
               </a:ext>
             </a:extLst>
           </p:cNvPr>
@@ -6025,7 +6087,7 @@
           <a:p>
             <a:r>
               <a:rPr lang="de-CH" dirty="0"/>
-              <a:t>Fazit</a:t>
+              <a:t>App</a:t>
             </a:r>
           </a:p>
         </p:txBody>
@@ -6035,7 +6097,7 @@
           <p:cNvPr id="3" name="Inhaltsplatzhalter 2">
             <a:extLst>
               <a:ext uri="{FF2B5EF4-FFF2-40B4-BE49-F238E27FC236}">
-                <a16:creationId xmlns:a16="http://schemas.microsoft.com/office/drawing/2014/main" id="{B6114B9F-970A-4FBA-B4F3-5E79273E94EB}"/>
+                <a16:creationId xmlns:a16="http://schemas.microsoft.com/office/drawing/2014/main" id="{DF6326EE-FBA6-4789-B27E-00ED2171C838}"/>
               </a:ext>
             </a:extLst>
           </p:cNvPr>
@@ -6053,35 +6115,44 @@
           <a:p>
             <a:r>
               <a:rPr lang="de-CH" dirty="0"/>
-              <a:t>Eigener ARFF-Generator -&gt; Keine Gute Idee</a:t>
-            </a:r>
-          </a:p>
-          <a:p>
-            <a:pPr lvl="1"/>
+              <a:t>Baseline Evaluation</a:t>
+            </a:r>
+          </a:p>
+          <a:p>
             <a:r>
               <a:rPr lang="de-CH" dirty="0"/>
-              <a:t>Schwierig weitere </a:t>
+              <a:t>Generieren eines Naive Bayes </a:t>
             </a:r>
             <a:r>
               <a:rPr lang="de-CH" dirty="0" err="1"/>
-              <a:t>Weka</a:t>
+              <a:t>Classifiers</a:t>
+            </a:r>
+            <a:endParaRPr lang="de-CH" dirty="0"/>
+          </a:p>
+          <a:p>
+            <a:r>
+              <a:rPr lang="de-CH" dirty="0" err="1"/>
+              <a:t>Tenfold</a:t>
             </a:r>
             <a:r>
               <a:rPr lang="de-CH" dirty="0"/>
-              <a:t>-Filter einfach einzubauen</a:t>
-            </a:r>
-          </a:p>
-          <a:p>
-            <a:endParaRPr lang="de-CH" dirty="0"/>
-          </a:p>
-          <a:p>
+              <a:t> </a:t>
+            </a:r>
             <a:r>
               <a:rPr lang="de-CH" dirty="0" err="1"/>
-              <a:t>Snowball</a:t>
+              <a:t>cross</a:t>
             </a:r>
             <a:r>
               <a:rPr lang="de-CH" dirty="0"/>
-              <a:t>-Stemmer macht keinen Unterschied</a:t>
+              <a:t>-validation (</a:t>
+            </a:r>
+            <a:r>
+              <a:rPr lang="de-CH" dirty="0" err="1"/>
+              <a:t>stratified</a:t>
+            </a:r>
+            <a:r>
+              <a:rPr lang="de-CH" dirty="0"/>
+              <a:t>)</a:t>
             </a:r>
           </a:p>
         </p:txBody>
@@ -6089,7 +6160,7 @@
     </p:spTree>
     <p:extLst>
       <p:ext uri="{BB962C8B-B14F-4D97-AF65-F5344CB8AC3E}">
-        <p14:creationId xmlns:p14="http://schemas.microsoft.com/office/powerpoint/2010/main" val="3601586864"/>
+        <p14:creationId xmlns:p14="http://schemas.microsoft.com/office/powerpoint/2010/main" val="3748551143"/>
       </p:ext>
     </p:extLst>
   </p:cSld>
@@ -6121,6 +6192,120 @@
           <p:cNvPr id="2" name="Titel 1">
             <a:extLst>
               <a:ext uri="{FF2B5EF4-FFF2-40B4-BE49-F238E27FC236}">
+                <a16:creationId xmlns:a16="http://schemas.microsoft.com/office/drawing/2014/main" id="{98931AAE-2ACF-4BDC-8003-27A778448BDC}"/>
+              </a:ext>
+            </a:extLst>
+          </p:cNvPr>
+          <p:cNvSpPr>
+            <a:spLocks noGrp="1"/>
+          </p:cNvSpPr>
+          <p:nvPr>
+            <p:ph type="title"/>
+          </p:nvPr>
+        </p:nvSpPr>
+        <p:spPr/>
+        <p:txBody>
+          <a:bodyPr/>
+          <a:lstStyle/>
+          <a:p>
+            <a:r>
+              <a:rPr lang="de-CH" dirty="0"/>
+              <a:t>Fazit</a:t>
+            </a:r>
+          </a:p>
+        </p:txBody>
+      </p:sp>
+      <p:sp>
+        <p:nvSpPr>
+          <p:cNvPr id="3" name="Inhaltsplatzhalter 2">
+            <a:extLst>
+              <a:ext uri="{FF2B5EF4-FFF2-40B4-BE49-F238E27FC236}">
+                <a16:creationId xmlns:a16="http://schemas.microsoft.com/office/drawing/2014/main" id="{B6114B9F-970A-4FBA-B4F3-5E79273E94EB}"/>
+              </a:ext>
+            </a:extLst>
+          </p:cNvPr>
+          <p:cNvSpPr>
+            <a:spLocks noGrp="1"/>
+          </p:cNvSpPr>
+          <p:nvPr>
+            <p:ph idx="1"/>
+          </p:nvPr>
+        </p:nvSpPr>
+        <p:spPr/>
+        <p:txBody>
+          <a:bodyPr/>
+          <a:lstStyle/>
+          <a:p>
+            <a:r>
+              <a:rPr lang="de-CH" dirty="0"/>
+              <a:t>Eigener ARFF-Generator -&gt; Keine Gute Idee</a:t>
+            </a:r>
+          </a:p>
+          <a:p>
+            <a:pPr lvl="1"/>
+            <a:r>
+              <a:rPr lang="de-CH" dirty="0"/>
+              <a:t>Schwierig weitere </a:t>
+            </a:r>
+            <a:r>
+              <a:rPr lang="de-CH" dirty="0" err="1"/>
+              <a:t>Weka</a:t>
+            </a:r>
+            <a:r>
+              <a:rPr lang="de-CH" dirty="0"/>
+              <a:t>-Filter einfach einzubauen</a:t>
+            </a:r>
+          </a:p>
+          <a:p>
+            <a:endParaRPr lang="de-CH" dirty="0"/>
+          </a:p>
+          <a:p>
+            <a:r>
+              <a:rPr lang="de-CH" dirty="0" err="1"/>
+              <a:t>Snowball</a:t>
+            </a:r>
+            <a:r>
+              <a:rPr lang="de-CH" dirty="0"/>
+              <a:t>-Stemmer macht keinen Unterschied</a:t>
+            </a:r>
+          </a:p>
+        </p:txBody>
+      </p:sp>
+    </p:spTree>
+    <p:extLst>
+      <p:ext uri="{BB962C8B-B14F-4D97-AF65-F5344CB8AC3E}">
+        <p14:creationId xmlns:p14="http://schemas.microsoft.com/office/powerpoint/2010/main" val="3601586864"/>
+      </p:ext>
+    </p:extLst>
+  </p:cSld>
+  <p:clrMapOvr>
+    <a:masterClrMapping/>
+  </p:clrMapOvr>
+</p:sld>
+</file>
+
+<file path=ppt/slides/slide5.xml><?xml version="1.0" encoding="utf-8"?>
+<p:sld xmlns:a="http://schemas.openxmlformats.org/drawingml/2006/main" xmlns:r="http://schemas.openxmlformats.org/officeDocument/2006/relationships" xmlns:p="http://schemas.openxmlformats.org/presentationml/2006/main">
+  <p:cSld>
+    <p:spTree>
+      <p:nvGrpSpPr>
+        <p:cNvPr id="1" name=""/>
+        <p:cNvGrpSpPr/>
+        <p:nvPr/>
+      </p:nvGrpSpPr>
+      <p:grpSpPr>
+        <a:xfrm>
+          <a:off x="0" y="0"/>
+          <a:ext cx="0" cy="0"/>
+          <a:chOff x="0" y="0"/>
+          <a:chExt cx="0" cy="0"/>
+        </a:xfrm>
+      </p:grpSpPr>
+      <p:sp>
+        <p:nvSpPr>
+          <p:cNvPr id="2" name="Titel 1">
+            <a:extLst>
+              <a:ext uri="{FF2B5EF4-FFF2-40B4-BE49-F238E27FC236}">
                 <a16:creationId xmlns:a16="http://schemas.microsoft.com/office/drawing/2014/main" id="{967BE599-03D0-40D3-ACBA-46A87A885B9B}"/>
               </a:ext>
             </a:extLst>
@@ -6165,7 +6350,7 @@
 </p:sld>
 </file>
 
-<file path=ppt/slides/slide5.xml><?xml version="1.0" encoding="utf-8"?>
+<file path=ppt/slides/slide6.xml><?xml version="1.0" encoding="utf-8"?>
 <p:sld xmlns:a="http://schemas.openxmlformats.org/drawingml/2006/main" xmlns:r="http://schemas.openxmlformats.org/officeDocument/2006/relationships" xmlns:p="http://schemas.openxmlformats.org/presentationml/2006/main">
   <p:cSld>
     <p:spTree>
